--- a/career-hack/Personal Branding Canvas - Careerhack.pptx
+++ b/career-hack/Personal Branding Canvas - Careerhack.pptx
@@ -16939,7 +16939,7 @@
           <p:nvPr>
             <p:extLst>
               <p:ext uri="{D42A27DB-BD31-4B8C-83A1-F6EECF244321}">
-                <p14:modId xmlns:p14="http://schemas.microsoft.com/office/powerpoint/2010/main" val="456302271"/>
+                <p14:modId xmlns:p14="http://schemas.microsoft.com/office/powerpoint/2010/main" val="3432073975"/>
               </p:ext>
             </p:extLst>
           </p:nvPr>
@@ -18519,7 +18519,7 @@
                     <a:bodyPr/>
                     <a:lstStyle/>
                     <a:p>
-                      <a:pPr marL="0" lvl="0" indent="0" algn="l" rtl="0">
+                      <a:pPr marL="171450" lvl="0" indent="-171450" algn="l" rtl="0">
                         <a:spcBef>
                           <a:spcPts val="0"/>
                         </a:spcBef>
@@ -18530,10 +18530,169 @@
                           <a:srgbClr val="000000"/>
                         </a:buClr>
                         <a:buSzPts val="1100"/>
-                        <a:buFont typeface="Arial"/>
-                        <a:buNone/>
+                        <a:buFont typeface="Arial" panose="020B0604020202020204" pitchFamily="34" charset="0"/>
+                        <a:buChar char="•"/>
                       </a:pPr>
-                      <a:endParaRPr sz="900" i="1">
+                      <a:r>
+                        <a:rPr lang="es-ES" sz="900" i="1" dirty="0" err="1">
+                          <a:solidFill>
+                            <a:schemeClr val="dk2"/>
+                          </a:solidFill>
+                          <a:latin typeface="Work Sans"/>
+                          <a:ea typeface="Work Sans"/>
+                          <a:cs typeface="Work Sans"/>
+                          <a:sym typeface="Work Sans"/>
+                        </a:rPr>
+                        <a:t>Responsible</a:t>
+                      </a:r>
+                      <a:endParaRPr lang="es-ES" sz="900" i="1" dirty="0">
+                        <a:solidFill>
+                          <a:schemeClr val="dk2"/>
+                        </a:solidFill>
+                        <a:latin typeface="Work Sans"/>
+                        <a:ea typeface="Work Sans"/>
+                        <a:cs typeface="Work Sans"/>
+                        <a:sym typeface="Work Sans"/>
+                      </a:endParaRPr>
+                    </a:p>
+                    <a:p>
+                      <a:pPr marL="171450" lvl="0" indent="-171450" algn="l" rtl="0">
+                        <a:spcBef>
+                          <a:spcPts val="0"/>
+                        </a:spcBef>
+                        <a:spcAft>
+                          <a:spcPts val="0"/>
+                        </a:spcAft>
+                        <a:buClr>
+                          <a:srgbClr val="000000"/>
+                        </a:buClr>
+                        <a:buSzPts val="1100"/>
+                        <a:buFont typeface="Arial" panose="020B0604020202020204" pitchFamily="34" charset="0"/>
+                        <a:buChar char="•"/>
+                      </a:pPr>
+                      <a:r>
+                        <a:rPr lang="es-ES" sz="900" i="1" dirty="0" err="1">
+                          <a:solidFill>
+                            <a:schemeClr val="dk2"/>
+                          </a:solidFill>
+                          <a:latin typeface="Work Sans"/>
+                          <a:ea typeface="Work Sans"/>
+                          <a:cs typeface="Work Sans"/>
+                          <a:sym typeface="Work Sans"/>
+                        </a:rPr>
+                        <a:t>Assertive</a:t>
+                      </a:r>
+                      <a:endParaRPr lang="es-ES" sz="900" i="1" dirty="0">
+                        <a:solidFill>
+                          <a:schemeClr val="dk2"/>
+                        </a:solidFill>
+                        <a:latin typeface="Work Sans"/>
+                        <a:ea typeface="Work Sans"/>
+                        <a:cs typeface="Work Sans"/>
+                        <a:sym typeface="Work Sans"/>
+                      </a:endParaRPr>
+                    </a:p>
+                    <a:p>
+                      <a:pPr marL="171450" lvl="0" indent="-171450" algn="l" rtl="0">
+                        <a:spcBef>
+                          <a:spcPts val="0"/>
+                        </a:spcBef>
+                        <a:spcAft>
+                          <a:spcPts val="0"/>
+                        </a:spcAft>
+                        <a:buClr>
+                          <a:srgbClr val="000000"/>
+                        </a:buClr>
+                        <a:buSzPts val="1100"/>
+                        <a:buFont typeface="Arial" panose="020B0604020202020204" pitchFamily="34" charset="0"/>
+                        <a:buChar char="•"/>
+                      </a:pPr>
+                      <a:r>
+                        <a:rPr lang="es-ES" sz="900" i="1" dirty="0" err="1">
+                          <a:solidFill>
+                            <a:schemeClr val="dk2"/>
+                          </a:solidFill>
+                          <a:latin typeface="Work Sans"/>
+                          <a:ea typeface="Work Sans"/>
+                          <a:cs typeface="Work Sans"/>
+                          <a:sym typeface="Work Sans"/>
+                        </a:rPr>
+                        <a:t>Focused</a:t>
+                      </a:r>
+                      <a:endParaRPr lang="es-ES" sz="900" i="1" dirty="0">
+                        <a:solidFill>
+                          <a:schemeClr val="dk2"/>
+                        </a:solidFill>
+                        <a:latin typeface="Work Sans"/>
+                        <a:ea typeface="Work Sans"/>
+                        <a:cs typeface="Work Sans"/>
+                        <a:sym typeface="Work Sans"/>
+                      </a:endParaRPr>
+                    </a:p>
+                    <a:p>
+                      <a:pPr marL="171450" lvl="0" indent="-171450" algn="l" rtl="0">
+                        <a:spcBef>
+                          <a:spcPts val="0"/>
+                        </a:spcBef>
+                        <a:spcAft>
+                          <a:spcPts val="0"/>
+                        </a:spcAft>
+                        <a:buClr>
+                          <a:srgbClr val="000000"/>
+                        </a:buClr>
+                        <a:buSzPts val="1100"/>
+                        <a:buFont typeface="Arial" panose="020B0604020202020204" pitchFamily="34" charset="0"/>
+                        <a:buChar char="•"/>
+                      </a:pPr>
+                      <a:r>
+                        <a:rPr lang="es-ES" sz="900" i="1" dirty="0">
+                          <a:solidFill>
+                            <a:schemeClr val="dk2"/>
+                          </a:solidFill>
+                          <a:latin typeface="Work Sans"/>
+                          <a:ea typeface="Work Sans"/>
+                          <a:cs typeface="Work Sans"/>
+                          <a:sym typeface="Work Sans"/>
+                        </a:rPr>
+                        <a:t>Cares </a:t>
+                      </a:r>
+                      <a:r>
+                        <a:rPr lang="es-ES" sz="900" i="1" dirty="0" err="1">
+                          <a:solidFill>
+                            <a:schemeClr val="dk2"/>
+                          </a:solidFill>
+                          <a:latin typeface="Work Sans"/>
+                          <a:ea typeface="Work Sans"/>
+                          <a:cs typeface="Work Sans"/>
+                          <a:sym typeface="Work Sans"/>
+                        </a:rPr>
+                        <a:t>about</a:t>
+                      </a:r>
+                      <a:r>
+                        <a:rPr lang="es-ES" sz="900" i="1" dirty="0">
+                          <a:solidFill>
+                            <a:schemeClr val="dk2"/>
+                          </a:solidFill>
+                          <a:latin typeface="Work Sans"/>
+                          <a:ea typeface="Work Sans"/>
+                          <a:cs typeface="Work Sans"/>
+                          <a:sym typeface="Work Sans"/>
+                        </a:rPr>
+                        <a:t> </a:t>
+                      </a:r>
+                      <a:r>
+                        <a:rPr lang="es-ES" sz="900" i="1">
+                          <a:solidFill>
+                            <a:schemeClr val="dk2"/>
+                          </a:solidFill>
+                          <a:latin typeface="Work Sans"/>
+                          <a:ea typeface="Work Sans"/>
+                          <a:cs typeface="Work Sans"/>
+                          <a:sym typeface="Work Sans"/>
+                        </a:rPr>
+                        <a:t>others</a:t>
+                      </a:r>
+                      <a:endParaRPr sz="900" i="1" dirty="0">
                         <a:solidFill>
                           <a:schemeClr val="dk2"/>
                         </a:solidFill>

--- a/career-hack/Personal Branding Canvas - Careerhack.pptx
+++ b/career-hack/Personal Branding Canvas - Careerhack.pptx
@@ -16939,7 +16939,7 @@
           <p:nvPr>
             <p:extLst>
               <p:ext uri="{D42A27DB-BD31-4B8C-83A1-F6EECF244321}">
-                <p14:modId xmlns:p14="http://schemas.microsoft.com/office/powerpoint/2010/main" val="3432073975"/>
+                <p14:modId xmlns:p14="http://schemas.microsoft.com/office/powerpoint/2010/main" val="2181711863"/>
               </p:ext>
             </p:extLst>
           </p:nvPr>
@@ -18681,7 +18681,7 @@
                         <a:t> </a:t>
                       </a:r>
                       <a:r>
-                        <a:rPr lang="es-ES" sz="900" i="1">
+                        <a:rPr lang="es-ES" sz="900" i="1" dirty="0" err="1">
                           <a:solidFill>
                             <a:schemeClr val="dk2"/>
                           </a:solidFill>
@@ -20136,7 +20136,406 @@
                         </a:spcAft>
                         <a:buNone/>
                       </a:pPr>
-                      <a:endParaRPr sz="900" i="1">
+                      <a:r>
+                        <a:rPr lang="es-ES" sz="900" b="0" i="1" u="none" strike="noStrike" cap="none" dirty="0" err="1">
+                          <a:solidFill>
+                            <a:schemeClr val="dk2"/>
+                          </a:solidFill>
+                          <a:latin typeface="Work Sans"/>
+                          <a:ea typeface="Work Sans"/>
+                          <a:cs typeface="Work Sans"/>
+                          <a:sym typeface="Work Sans"/>
+                        </a:rPr>
+                        <a:t>Learn</a:t>
+                      </a:r>
+                      <a:r>
+                        <a:rPr lang="es-ES" sz="900" b="0" i="1" u="none" strike="noStrike" cap="none" dirty="0">
+                          <a:solidFill>
+                            <a:schemeClr val="dk2"/>
+                          </a:solidFill>
+                          <a:latin typeface="Work Sans"/>
+                          <a:ea typeface="Work Sans"/>
+                          <a:cs typeface="Work Sans"/>
+                          <a:sym typeface="Work Sans"/>
+                        </a:rPr>
+                        <a:t> </a:t>
+                      </a:r>
+                      <a:r>
+                        <a:rPr lang="es-ES" sz="900" b="0" i="1" u="none" strike="noStrike" cap="none" dirty="0" err="1">
+                          <a:solidFill>
+                            <a:schemeClr val="dk2"/>
+                          </a:solidFill>
+                          <a:latin typeface="Work Sans"/>
+                          <a:ea typeface="Work Sans"/>
+                          <a:cs typeface="Work Sans"/>
+                          <a:sym typeface="Work Sans"/>
+                        </a:rPr>
+                        <a:t>the</a:t>
+                      </a:r>
+                      <a:r>
+                        <a:rPr lang="es-ES" sz="900" b="0" i="1" u="none" strike="noStrike" cap="none" dirty="0">
+                          <a:solidFill>
+                            <a:schemeClr val="dk2"/>
+                          </a:solidFill>
+                          <a:latin typeface="Work Sans"/>
+                          <a:ea typeface="Work Sans"/>
+                          <a:cs typeface="Work Sans"/>
+                          <a:sym typeface="Work Sans"/>
+                        </a:rPr>
+                        <a:t> </a:t>
+                      </a:r>
+                      <a:r>
+                        <a:rPr lang="es-ES" sz="900" b="0" i="1" u="none" strike="noStrike" cap="none" dirty="0" err="1">
+                          <a:solidFill>
+                            <a:schemeClr val="dk2"/>
+                          </a:solidFill>
+                          <a:latin typeface="Work Sans"/>
+                          <a:ea typeface="Work Sans"/>
+                          <a:cs typeface="Work Sans"/>
+                          <a:sym typeface="Work Sans"/>
+                        </a:rPr>
+                        <a:t>necessary</a:t>
+                      </a:r>
+                      <a:r>
+                        <a:rPr lang="es-ES" sz="900" b="0" i="1" u="none" strike="noStrike" cap="none" dirty="0">
+                          <a:solidFill>
+                            <a:schemeClr val="dk2"/>
+                          </a:solidFill>
+                          <a:latin typeface="Work Sans"/>
+                          <a:ea typeface="Work Sans"/>
+                          <a:cs typeface="Work Sans"/>
+                          <a:sym typeface="Work Sans"/>
+                        </a:rPr>
+                        <a:t> </a:t>
+                      </a:r>
+                      <a:r>
+                        <a:rPr lang="es-ES" sz="900" b="0" i="1" u="none" strike="noStrike" cap="none" dirty="0" err="1">
+                          <a:solidFill>
+                            <a:schemeClr val="dk2"/>
+                          </a:solidFill>
+                          <a:latin typeface="Work Sans"/>
+                          <a:ea typeface="Work Sans"/>
+                          <a:cs typeface="Work Sans"/>
+                          <a:sym typeface="Work Sans"/>
+                        </a:rPr>
+                        <a:t>programming</a:t>
+                      </a:r>
+                      <a:r>
+                        <a:rPr lang="es-ES" sz="900" b="0" i="1" u="none" strike="noStrike" cap="none" dirty="0">
+                          <a:solidFill>
+                            <a:schemeClr val="dk2"/>
+                          </a:solidFill>
+                          <a:latin typeface="Work Sans"/>
+                          <a:ea typeface="Work Sans"/>
+                          <a:cs typeface="Work Sans"/>
+                          <a:sym typeface="Work Sans"/>
+                        </a:rPr>
+                        <a:t> and </a:t>
+                      </a:r>
+                      <a:r>
+                        <a:rPr lang="es-ES" sz="900" b="0" i="1" u="none" strike="noStrike" cap="none" dirty="0" err="1">
+                          <a:solidFill>
+                            <a:schemeClr val="dk2"/>
+                          </a:solidFill>
+                          <a:latin typeface="Work Sans"/>
+                          <a:ea typeface="Work Sans"/>
+                          <a:cs typeface="Work Sans"/>
+                          <a:sym typeface="Work Sans"/>
+                        </a:rPr>
+                        <a:t>analytic</a:t>
+                      </a:r>
+                      <a:r>
+                        <a:rPr lang="es-ES" sz="900" b="0" i="1" u="none" strike="noStrike" cap="none" dirty="0">
+                          <a:solidFill>
+                            <a:schemeClr val="dk2"/>
+                          </a:solidFill>
+                          <a:latin typeface="Work Sans"/>
+                          <a:ea typeface="Work Sans"/>
+                          <a:cs typeface="Work Sans"/>
+                          <a:sym typeface="Work Sans"/>
+                        </a:rPr>
+                        <a:t> </a:t>
+                      </a:r>
+                      <a:r>
+                        <a:rPr lang="es-ES" sz="900" b="0" i="1" u="none" strike="noStrike" cap="none" dirty="0" err="1">
+                          <a:solidFill>
+                            <a:schemeClr val="dk2"/>
+                          </a:solidFill>
+                          <a:latin typeface="Work Sans"/>
+                          <a:ea typeface="Work Sans"/>
+                          <a:cs typeface="Work Sans"/>
+                          <a:sym typeface="Work Sans"/>
+                        </a:rPr>
+                        <a:t>tools</a:t>
+                      </a:r>
+                      <a:r>
+                        <a:rPr lang="es-ES" sz="900" b="0" i="1" u="none" strike="noStrike" cap="none" dirty="0">
+                          <a:solidFill>
+                            <a:schemeClr val="dk2"/>
+                          </a:solidFill>
+                          <a:latin typeface="Work Sans"/>
+                          <a:ea typeface="Work Sans"/>
+                          <a:cs typeface="Work Sans"/>
+                          <a:sym typeface="Work Sans"/>
+                        </a:rPr>
+                        <a:t> to </a:t>
+                      </a:r>
+                      <a:r>
+                        <a:rPr lang="es-ES" sz="900" b="0" i="1" u="none" strike="noStrike" cap="none" dirty="0" err="1">
+                          <a:solidFill>
+                            <a:schemeClr val="dk2"/>
+                          </a:solidFill>
+                          <a:latin typeface="Work Sans"/>
+                          <a:ea typeface="Work Sans"/>
+                          <a:cs typeface="Work Sans"/>
+                          <a:sym typeface="Work Sans"/>
+                        </a:rPr>
+                        <a:t>land</a:t>
+                      </a:r>
+                      <a:r>
+                        <a:rPr lang="es-ES" sz="900" b="0" i="1" u="none" strike="noStrike" cap="none" dirty="0">
+                          <a:solidFill>
+                            <a:schemeClr val="dk2"/>
+                          </a:solidFill>
+                          <a:latin typeface="Work Sans"/>
+                          <a:ea typeface="Work Sans"/>
+                          <a:cs typeface="Work Sans"/>
+                          <a:sym typeface="Work Sans"/>
+                        </a:rPr>
+                        <a:t> a </a:t>
+                      </a:r>
+                      <a:r>
+                        <a:rPr lang="es-ES" sz="900" b="0" i="1" u="none" strike="noStrike" cap="none" dirty="0" err="1">
+                          <a:solidFill>
+                            <a:schemeClr val="dk2"/>
+                          </a:solidFill>
+                          <a:latin typeface="Work Sans"/>
+                          <a:ea typeface="Work Sans"/>
+                          <a:cs typeface="Work Sans"/>
+                          <a:sym typeface="Work Sans"/>
+                        </a:rPr>
+                        <a:t>job</a:t>
+                      </a:r>
+                      <a:r>
+                        <a:rPr lang="es-ES" sz="900" b="0" i="1" u="none" strike="noStrike" cap="none" dirty="0">
+                          <a:solidFill>
+                            <a:schemeClr val="dk2"/>
+                          </a:solidFill>
+                          <a:latin typeface="Work Sans"/>
+                          <a:ea typeface="Work Sans"/>
+                          <a:cs typeface="Work Sans"/>
+                          <a:sym typeface="Work Sans"/>
+                        </a:rPr>
+                        <a:t> </a:t>
+                      </a:r>
+                      <a:r>
+                        <a:rPr lang="es-ES" sz="900" b="0" i="1" u="none" strike="noStrike" cap="none" dirty="0" err="1">
+                          <a:solidFill>
+                            <a:schemeClr val="dk2"/>
+                          </a:solidFill>
+                          <a:latin typeface="Work Sans"/>
+                          <a:ea typeface="Work Sans"/>
+                          <a:cs typeface="Work Sans"/>
+                          <a:sym typeface="Work Sans"/>
+                        </a:rPr>
+                        <a:t>on</a:t>
+                      </a:r>
+                      <a:r>
+                        <a:rPr lang="es-ES" sz="900" b="0" i="1" u="none" strike="noStrike" cap="none" dirty="0">
+                          <a:solidFill>
+                            <a:schemeClr val="dk2"/>
+                          </a:solidFill>
+                          <a:latin typeface="Work Sans"/>
+                          <a:ea typeface="Work Sans"/>
+                          <a:cs typeface="Work Sans"/>
+                          <a:sym typeface="Work Sans"/>
+                        </a:rPr>
+                        <a:t> 2022 in </a:t>
+                      </a:r>
+                      <a:r>
+                        <a:rPr lang="es-ES" sz="900" b="0" i="1" u="none" strike="noStrike" cap="none" dirty="0" err="1">
+                          <a:solidFill>
+                            <a:schemeClr val="dk2"/>
+                          </a:solidFill>
+                          <a:latin typeface="Work Sans"/>
+                          <a:ea typeface="Work Sans"/>
+                          <a:cs typeface="Work Sans"/>
+                          <a:sym typeface="Work Sans"/>
+                        </a:rPr>
+                        <a:t>which</a:t>
+                      </a:r>
+                      <a:r>
+                        <a:rPr lang="es-ES" sz="900" b="0" i="1" u="none" strike="noStrike" cap="none">
+                          <a:solidFill>
+                            <a:schemeClr val="dk2"/>
+                          </a:solidFill>
+                          <a:latin typeface="Work Sans"/>
+                          <a:ea typeface="Work Sans"/>
+                          <a:cs typeface="Work Sans"/>
+                          <a:sym typeface="Work Sans"/>
+                        </a:rPr>
+                        <a:t> I </a:t>
+                      </a:r>
+                      <a:r>
+                        <a:rPr lang="es-ES" sz="900" b="0" i="1" u="none" strike="noStrike" cap="none" dirty="0">
+                          <a:solidFill>
+                            <a:schemeClr val="dk2"/>
+                          </a:solidFill>
+                          <a:latin typeface="Work Sans"/>
+                          <a:ea typeface="Work Sans"/>
+                          <a:cs typeface="Work Sans"/>
+                          <a:sym typeface="Work Sans"/>
+                        </a:rPr>
+                        <a:t>can </a:t>
+                      </a:r>
+                      <a:r>
+                        <a:rPr lang="es-ES" sz="900" b="0" i="1" u="none" strike="noStrike" cap="none" dirty="0" err="1">
+                          <a:solidFill>
+                            <a:schemeClr val="dk2"/>
+                          </a:solidFill>
+                          <a:latin typeface="Work Sans"/>
+                          <a:ea typeface="Work Sans"/>
+                          <a:cs typeface="Work Sans"/>
+                          <a:sym typeface="Work Sans"/>
+                        </a:rPr>
+                        <a:t>still</a:t>
+                      </a:r>
+                      <a:r>
+                        <a:rPr lang="es-ES" sz="900" b="0" i="1" u="none" strike="noStrike" cap="none" dirty="0">
+                          <a:solidFill>
+                            <a:schemeClr val="dk2"/>
+                          </a:solidFill>
+                          <a:latin typeface="Work Sans"/>
+                          <a:ea typeface="Work Sans"/>
+                          <a:cs typeface="Work Sans"/>
+                          <a:sym typeface="Work Sans"/>
+                        </a:rPr>
+                        <a:t> </a:t>
+                      </a:r>
+                      <a:r>
+                        <a:rPr lang="es-ES" sz="900" b="0" i="1" u="none" strike="noStrike" cap="none" dirty="0" err="1">
+                          <a:solidFill>
+                            <a:schemeClr val="dk2"/>
+                          </a:solidFill>
+                          <a:latin typeface="Work Sans"/>
+                          <a:ea typeface="Work Sans"/>
+                          <a:cs typeface="Work Sans"/>
+                          <a:sym typeface="Work Sans"/>
+                        </a:rPr>
+                        <a:t>learn</a:t>
+                      </a:r>
+                      <a:r>
+                        <a:rPr lang="es-ES" sz="900" b="0" i="1" u="none" strike="noStrike" cap="none" dirty="0">
+                          <a:solidFill>
+                            <a:schemeClr val="dk2"/>
+                          </a:solidFill>
+                          <a:latin typeface="Work Sans"/>
+                          <a:ea typeface="Work Sans"/>
+                          <a:cs typeface="Work Sans"/>
+                          <a:sym typeface="Work Sans"/>
+                        </a:rPr>
+                        <a:t> and </a:t>
+                      </a:r>
+                      <a:r>
+                        <a:rPr lang="es-ES" sz="900" b="0" i="1" u="none" strike="noStrike" cap="none" dirty="0" err="1">
+                          <a:solidFill>
+                            <a:schemeClr val="dk2"/>
+                          </a:solidFill>
+                          <a:latin typeface="Work Sans"/>
+                          <a:ea typeface="Work Sans"/>
+                          <a:cs typeface="Work Sans"/>
+                          <a:sym typeface="Work Sans"/>
+                        </a:rPr>
+                        <a:t>develop</a:t>
+                      </a:r>
+                      <a:r>
+                        <a:rPr lang="es-ES" sz="900" b="0" i="1" u="none" strike="noStrike" cap="none" dirty="0">
+                          <a:solidFill>
+                            <a:schemeClr val="dk2"/>
+                          </a:solidFill>
+                          <a:latin typeface="Work Sans"/>
+                          <a:ea typeface="Work Sans"/>
+                          <a:cs typeface="Work Sans"/>
+                          <a:sym typeface="Work Sans"/>
+                        </a:rPr>
+                        <a:t> </a:t>
+                      </a:r>
+                      <a:r>
+                        <a:rPr lang="es-ES" sz="900" b="0" i="1" u="none" strike="noStrike" cap="none" dirty="0" err="1">
+                          <a:solidFill>
+                            <a:schemeClr val="dk2"/>
+                          </a:solidFill>
+                          <a:latin typeface="Work Sans"/>
+                          <a:ea typeface="Work Sans"/>
+                          <a:cs typeface="Work Sans"/>
+                          <a:sym typeface="Work Sans"/>
+                        </a:rPr>
+                        <a:t>my</a:t>
+                      </a:r>
+                      <a:r>
+                        <a:rPr lang="es-ES" sz="900" b="0" i="1" u="none" strike="noStrike" cap="none" dirty="0">
+                          <a:solidFill>
+                            <a:schemeClr val="dk2"/>
+                          </a:solidFill>
+                          <a:latin typeface="Work Sans"/>
+                          <a:ea typeface="Work Sans"/>
+                          <a:cs typeface="Work Sans"/>
+                          <a:sym typeface="Work Sans"/>
+                        </a:rPr>
+                        <a:t> </a:t>
+                      </a:r>
+                      <a:r>
+                        <a:rPr lang="es-ES" sz="900" b="0" i="1" u="none" strike="noStrike" cap="none" dirty="0" err="1">
+                          <a:solidFill>
+                            <a:schemeClr val="dk2"/>
+                          </a:solidFill>
+                          <a:latin typeface="Work Sans"/>
+                          <a:ea typeface="Work Sans"/>
+                          <a:cs typeface="Work Sans"/>
+                          <a:sym typeface="Work Sans"/>
+                        </a:rPr>
+                        <a:t>career</a:t>
+                      </a:r>
+                      <a:r>
+                        <a:rPr lang="es-ES" sz="900" b="0" i="1" u="none" strike="noStrike" cap="none" dirty="0">
+                          <a:solidFill>
+                            <a:schemeClr val="dk2"/>
+                          </a:solidFill>
+                          <a:latin typeface="Work Sans"/>
+                          <a:ea typeface="Work Sans"/>
+                          <a:cs typeface="Work Sans"/>
+                          <a:sym typeface="Work Sans"/>
+                        </a:rPr>
+                        <a:t> as a data </a:t>
+                      </a:r>
+                      <a:r>
+                        <a:rPr lang="es-ES" sz="900" b="0" i="1" u="none" strike="noStrike" cap="none" dirty="0" err="1">
+                          <a:solidFill>
+                            <a:schemeClr val="dk2"/>
+                          </a:solidFill>
+                          <a:latin typeface="Work Sans"/>
+                          <a:ea typeface="Work Sans"/>
+                          <a:cs typeface="Work Sans"/>
+                          <a:sym typeface="Work Sans"/>
+                        </a:rPr>
+                        <a:t>analyst</a:t>
+                      </a:r>
+                      <a:r>
+                        <a:rPr lang="es-ES" sz="900" b="0" i="1" u="none" strike="noStrike" cap="none" dirty="0">
+                          <a:solidFill>
+                            <a:schemeClr val="dk2"/>
+                          </a:solidFill>
+                          <a:latin typeface="Work Sans"/>
+                          <a:ea typeface="Work Sans"/>
+                          <a:cs typeface="Work Sans"/>
+                          <a:sym typeface="Work Sans"/>
+                        </a:rPr>
+                        <a:t>.</a:t>
+                      </a:r>
+                      <a:endParaRPr sz="900" b="0" i="1" u="none" strike="noStrike" cap="none" dirty="0">
+                        <a:solidFill>
+                          <a:schemeClr val="dk2"/>
+                        </a:solidFill>
                         <a:latin typeface="Work Sans"/>
                         <a:ea typeface="Work Sans"/>
                         <a:cs typeface="Work Sans"/>

--- a/career-hack/Personal Branding Canvas - Careerhack.pptx
+++ b/career-hack/Personal Branding Canvas - Careerhack.pptx
@@ -16939,7 +16939,7 @@
           <p:nvPr>
             <p:extLst>
               <p:ext uri="{D42A27DB-BD31-4B8C-83A1-F6EECF244321}">
-                <p14:modId xmlns:p14="http://schemas.microsoft.com/office/powerpoint/2010/main" val="2181711863"/>
+                <p14:modId xmlns:p14="http://schemas.microsoft.com/office/powerpoint/2010/main" val="881957987"/>
               </p:ext>
             </p:extLst>
           </p:nvPr>
@@ -18761,7 +18761,103 @@
                         <a:buFont typeface="Arial"/>
                         <a:buNone/>
                       </a:pPr>
-                      <a:endParaRPr sz="900" b="1" i="1">
+                      <a:r>
+                        <a:rPr lang="es-ES" sz="900" b="0" i="1" u="none" strike="noStrike" cap="none" dirty="0">
+                          <a:solidFill>
+                            <a:schemeClr val="dk2"/>
+                          </a:solidFill>
+                          <a:latin typeface="Work Sans"/>
+                          <a:ea typeface="Work Sans"/>
+                          <a:cs typeface="Work Sans"/>
+                          <a:sym typeface="Work Sans"/>
+                        </a:rPr>
+                        <a:t>HR reps and </a:t>
+                      </a:r>
+                      <a:r>
+                        <a:rPr lang="es-ES" sz="900" b="0" i="1" u="none" strike="noStrike" cap="none" dirty="0" err="1">
+                          <a:solidFill>
+                            <a:schemeClr val="dk2"/>
+                          </a:solidFill>
+                          <a:latin typeface="Work Sans"/>
+                          <a:ea typeface="Work Sans"/>
+                          <a:cs typeface="Work Sans"/>
+                          <a:sym typeface="Work Sans"/>
+                        </a:rPr>
+                        <a:t>Recruiters</a:t>
+                      </a:r>
+                      <a:r>
+                        <a:rPr lang="es-ES" sz="900" b="0" i="1" u="none" strike="noStrike" cap="none" dirty="0">
+                          <a:solidFill>
+                            <a:schemeClr val="dk2"/>
+                          </a:solidFill>
+                          <a:latin typeface="Work Sans"/>
+                          <a:ea typeface="Work Sans"/>
+                          <a:cs typeface="Work Sans"/>
+                          <a:sym typeface="Work Sans"/>
+                        </a:rPr>
+                        <a:t> </a:t>
+                      </a:r>
+                      <a:r>
+                        <a:rPr lang="es-ES" sz="900" b="0" i="1" u="none" strike="noStrike" cap="none" dirty="0" err="1">
+                          <a:solidFill>
+                            <a:schemeClr val="dk2"/>
+                          </a:solidFill>
+                          <a:latin typeface="Work Sans"/>
+                          <a:ea typeface="Work Sans"/>
+                          <a:cs typeface="Work Sans"/>
+                          <a:sym typeface="Work Sans"/>
+                        </a:rPr>
+                        <a:t>from</a:t>
+                      </a:r>
+                      <a:r>
+                        <a:rPr lang="es-ES" sz="900" b="0" i="1" u="none" strike="noStrike" cap="none" dirty="0">
+                          <a:solidFill>
+                            <a:schemeClr val="dk2"/>
+                          </a:solidFill>
+                          <a:latin typeface="Work Sans"/>
+                          <a:ea typeface="Work Sans"/>
+                          <a:cs typeface="Work Sans"/>
+                          <a:sym typeface="Work Sans"/>
+                        </a:rPr>
+                        <a:t> </a:t>
+                      </a:r>
+                      <a:r>
+                        <a:rPr lang="es-ES" sz="900" b="0" i="1" u="none" strike="noStrike" cap="none" dirty="0" err="1">
+                          <a:solidFill>
+                            <a:schemeClr val="dk2"/>
+                          </a:solidFill>
+                          <a:latin typeface="Work Sans"/>
+                          <a:ea typeface="Work Sans"/>
+                          <a:cs typeface="Work Sans"/>
+                          <a:sym typeface="Work Sans"/>
+                        </a:rPr>
+                        <a:t>companies</a:t>
+                      </a:r>
+                      <a:r>
+                        <a:rPr lang="es-ES" sz="900" b="0" i="1" u="none" strike="noStrike" cap="none" dirty="0">
+                          <a:solidFill>
+                            <a:schemeClr val="dk2"/>
+                          </a:solidFill>
+                          <a:latin typeface="Work Sans"/>
+                          <a:ea typeface="Work Sans"/>
+                          <a:cs typeface="Work Sans"/>
+                          <a:sym typeface="Work Sans"/>
+                        </a:rPr>
+                        <a:t> and </a:t>
+                      </a:r>
+                      <a:r>
+                        <a:rPr lang="es-ES" sz="900" b="0" i="1" u="none" strike="noStrike" cap="none" dirty="0" err="1">
+                          <a:solidFill>
+                            <a:schemeClr val="dk2"/>
+                          </a:solidFill>
+                          <a:latin typeface="Work Sans"/>
+                          <a:ea typeface="Work Sans"/>
+                          <a:cs typeface="Work Sans"/>
+                          <a:sym typeface="Work Sans"/>
+                        </a:rPr>
+                        <a:t>startups</a:t>
+                      </a:r>
+                      <a:endParaRPr sz="900" b="0" i="1" u="none" strike="noStrike" cap="none" dirty="0">
                         <a:solidFill>
                           <a:schemeClr val="dk2"/>
                         </a:solidFill>
@@ -20365,18 +20461,6 @@
                         <a:t>which</a:t>
                       </a:r>
                       <a:r>
-                        <a:rPr lang="es-ES" sz="900" b="0" i="1" u="none" strike="noStrike" cap="none">
-                          <a:solidFill>
-                            <a:schemeClr val="dk2"/>
-                          </a:solidFill>
-                          <a:latin typeface="Work Sans"/>
-                          <a:ea typeface="Work Sans"/>
-                          <a:cs typeface="Work Sans"/>
-                          <a:sym typeface="Work Sans"/>
-                        </a:rPr>
-                        <a:t> I </a:t>
-                      </a:r>
-                      <a:r>
                         <a:rPr lang="es-ES" sz="900" b="0" i="1" u="none" strike="noStrike" cap="none" dirty="0">
                           <a:solidFill>
                             <a:schemeClr val="dk2"/>
@@ -20386,7 +20470,7 @@
                           <a:cs typeface="Work Sans"/>
                           <a:sym typeface="Work Sans"/>
                         </a:rPr>
-                        <a:t>can </a:t>
+                        <a:t> I can </a:t>
                       </a:r>
                       <a:r>
                         <a:rPr lang="es-ES" sz="900" b="0" i="1" u="none" strike="noStrike" cap="none" dirty="0" err="1">

--- a/career-hack/Personal Branding Canvas - Careerhack.pptx
+++ b/career-hack/Personal Branding Canvas - Careerhack.pptx
@@ -16939,7 +16939,7 @@
           <p:nvPr>
             <p:extLst>
               <p:ext uri="{D42A27DB-BD31-4B8C-83A1-F6EECF244321}">
-                <p14:modId xmlns:p14="http://schemas.microsoft.com/office/powerpoint/2010/main" val="881957987"/>
+                <p14:modId xmlns:p14="http://schemas.microsoft.com/office/powerpoint/2010/main" val="2172174014"/>
               </p:ext>
             </p:extLst>
           </p:nvPr>
@@ -20680,7 +20680,346 @@
                         </a:spcAft>
                         <a:buNone/>
                       </a:pPr>
-                      <a:endParaRPr sz="900" i="1">
+                      <a:r>
+                        <a:rPr lang="es-ES" sz="900" b="0" i="1" u="none" strike="noStrike" cap="none" dirty="0">
+                          <a:solidFill>
+                            <a:schemeClr val="dk2"/>
+                          </a:solidFill>
+                          <a:latin typeface="Work Sans"/>
+                          <a:ea typeface="Work Sans"/>
+                          <a:cs typeface="Work Sans"/>
+                          <a:sym typeface="Work Sans"/>
+                        </a:rPr>
+                        <a:t>I </a:t>
+                      </a:r>
+                      <a:r>
+                        <a:rPr lang="es-ES" sz="900" b="0" i="1" u="none" strike="noStrike" cap="none" dirty="0" err="1">
+                          <a:solidFill>
+                            <a:schemeClr val="dk2"/>
+                          </a:solidFill>
+                          <a:latin typeface="Work Sans"/>
+                          <a:ea typeface="Work Sans"/>
+                          <a:cs typeface="Work Sans"/>
+                          <a:sym typeface="Work Sans"/>
+                        </a:rPr>
+                        <a:t>help</a:t>
+                      </a:r>
+                      <a:r>
+                        <a:rPr lang="es-ES" sz="900" b="0" i="1" u="none" strike="noStrike" cap="none" dirty="0">
+                          <a:solidFill>
+                            <a:schemeClr val="dk2"/>
+                          </a:solidFill>
+                          <a:latin typeface="Work Sans"/>
+                          <a:ea typeface="Work Sans"/>
+                          <a:cs typeface="Work Sans"/>
+                          <a:sym typeface="Work Sans"/>
+                        </a:rPr>
+                        <a:t> </a:t>
+                      </a:r>
+                      <a:r>
+                        <a:rPr lang="es-ES" sz="900" b="0" i="1" u="none" strike="noStrike" cap="none" dirty="0" err="1">
+                          <a:solidFill>
+                            <a:schemeClr val="dk2"/>
+                          </a:solidFill>
+                          <a:latin typeface="Work Sans"/>
+                          <a:ea typeface="Work Sans"/>
+                          <a:cs typeface="Work Sans"/>
+                          <a:sym typeface="Work Sans"/>
+                        </a:rPr>
+                        <a:t>getting</a:t>
+                      </a:r>
+                      <a:r>
+                        <a:rPr lang="es-ES" sz="900" b="0" i="1" u="none" strike="noStrike" cap="none" dirty="0">
+                          <a:solidFill>
+                            <a:schemeClr val="dk2"/>
+                          </a:solidFill>
+                          <a:latin typeface="Work Sans"/>
+                          <a:ea typeface="Work Sans"/>
+                          <a:cs typeface="Work Sans"/>
+                          <a:sym typeface="Work Sans"/>
+                        </a:rPr>
+                        <a:t> </a:t>
+                      </a:r>
+                      <a:r>
+                        <a:rPr lang="es-ES" sz="900" b="0" i="1" u="none" strike="noStrike" cap="none" dirty="0" err="1">
+                          <a:solidFill>
+                            <a:schemeClr val="dk2"/>
+                          </a:solidFill>
+                          <a:latin typeface="Work Sans"/>
+                          <a:ea typeface="Work Sans"/>
+                          <a:cs typeface="Work Sans"/>
+                          <a:sym typeface="Work Sans"/>
+                        </a:rPr>
+                        <a:t>analytical</a:t>
+                      </a:r>
+                      <a:r>
+                        <a:rPr lang="es-ES" sz="900" b="0" i="1" u="none" strike="noStrike" cap="none" dirty="0">
+                          <a:solidFill>
+                            <a:schemeClr val="dk2"/>
+                          </a:solidFill>
+                          <a:latin typeface="Work Sans"/>
+                          <a:ea typeface="Work Sans"/>
+                          <a:cs typeface="Work Sans"/>
+                          <a:sym typeface="Work Sans"/>
+                        </a:rPr>
+                        <a:t> </a:t>
+                      </a:r>
+                      <a:r>
+                        <a:rPr lang="es-ES" sz="900" b="0" i="1" u="none" strike="noStrike" cap="none" dirty="0" err="1">
+                          <a:solidFill>
+                            <a:schemeClr val="dk2"/>
+                          </a:solidFill>
+                          <a:latin typeface="Work Sans"/>
+                          <a:ea typeface="Work Sans"/>
+                          <a:cs typeface="Work Sans"/>
+                          <a:sym typeface="Work Sans"/>
+                        </a:rPr>
+                        <a:t>results</a:t>
+                      </a:r>
+                      <a:r>
+                        <a:rPr lang="es-ES" sz="900" b="0" i="1" u="none" strike="noStrike" cap="none" dirty="0">
+                          <a:solidFill>
+                            <a:schemeClr val="dk2"/>
+                          </a:solidFill>
+                          <a:latin typeface="Work Sans"/>
+                          <a:ea typeface="Work Sans"/>
+                          <a:cs typeface="Work Sans"/>
+                          <a:sym typeface="Work Sans"/>
+                        </a:rPr>
+                        <a:t> </a:t>
+                      </a:r>
+                      <a:r>
+                        <a:rPr lang="es-ES" sz="900" b="0" i="1" u="none" strike="noStrike" cap="none" dirty="0" err="1">
+                          <a:solidFill>
+                            <a:schemeClr val="dk2"/>
+                          </a:solidFill>
+                          <a:latin typeface="Work Sans"/>
+                          <a:ea typeface="Work Sans"/>
+                          <a:cs typeface="Work Sans"/>
+                          <a:sym typeface="Work Sans"/>
+                        </a:rPr>
+                        <a:t>clean</a:t>
+                      </a:r>
+                      <a:r>
+                        <a:rPr lang="es-ES" sz="900" b="0" i="1" u="none" strike="noStrike" cap="none" dirty="0">
+                          <a:solidFill>
+                            <a:schemeClr val="dk2"/>
+                          </a:solidFill>
+                          <a:latin typeface="Work Sans"/>
+                          <a:ea typeface="Work Sans"/>
+                          <a:cs typeface="Work Sans"/>
+                          <a:sym typeface="Work Sans"/>
+                        </a:rPr>
+                        <a:t> and </a:t>
+                      </a:r>
+                      <a:r>
+                        <a:rPr lang="es-ES" sz="900" b="0" i="1" u="none" strike="noStrike" cap="none" dirty="0" err="1">
+                          <a:solidFill>
+                            <a:schemeClr val="dk2"/>
+                          </a:solidFill>
+                          <a:latin typeface="Work Sans"/>
+                          <a:ea typeface="Work Sans"/>
+                          <a:cs typeface="Work Sans"/>
+                          <a:sym typeface="Work Sans"/>
+                        </a:rPr>
+                        <a:t>fast</a:t>
+                      </a:r>
+                      <a:r>
+                        <a:rPr lang="es-ES" sz="900" b="0" i="1" u="none" strike="noStrike" cap="none" dirty="0">
+                          <a:solidFill>
+                            <a:schemeClr val="dk2"/>
+                          </a:solidFill>
+                          <a:latin typeface="Work Sans"/>
+                          <a:ea typeface="Work Sans"/>
+                          <a:cs typeface="Work Sans"/>
+                          <a:sym typeface="Work Sans"/>
+                        </a:rPr>
+                        <a:t>, so </a:t>
+                      </a:r>
+                      <a:r>
+                        <a:rPr lang="es-ES" sz="900" b="0" i="1" u="none" strike="noStrike" cap="none" dirty="0" err="1">
+                          <a:solidFill>
+                            <a:schemeClr val="dk2"/>
+                          </a:solidFill>
+                          <a:latin typeface="Work Sans"/>
+                          <a:ea typeface="Work Sans"/>
+                          <a:cs typeface="Work Sans"/>
+                          <a:sym typeface="Work Sans"/>
+                        </a:rPr>
+                        <a:t>the</a:t>
+                      </a:r>
+                      <a:r>
+                        <a:rPr lang="es-ES" sz="900" b="0" i="1" u="none" strike="noStrike" cap="none" dirty="0">
+                          <a:solidFill>
+                            <a:schemeClr val="dk2"/>
+                          </a:solidFill>
+                          <a:latin typeface="Work Sans"/>
+                          <a:ea typeface="Work Sans"/>
+                          <a:cs typeface="Work Sans"/>
+                          <a:sym typeface="Work Sans"/>
+                        </a:rPr>
+                        <a:t> </a:t>
+                      </a:r>
+                      <a:r>
+                        <a:rPr lang="es-ES" sz="900" b="0" i="1" u="none" strike="noStrike" cap="none" dirty="0" err="1">
+                          <a:solidFill>
+                            <a:schemeClr val="dk2"/>
+                          </a:solidFill>
+                          <a:latin typeface="Work Sans"/>
+                          <a:ea typeface="Work Sans"/>
+                          <a:cs typeface="Work Sans"/>
+                          <a:sym typeface="Work Sans"/>
+                        </a:rPr>
+                        <a:t>business</a:t>
+                      </a:r>
+                      <a:r>
+                        <a:rPr lang="es-ES" sz="900" b="0" i="1" u="none" strike="noStrike" cap="none" dirty="0">
+                          <a:solidFill>
+                            <a:schemeClr val="dk2"/>
+                          </a:solidFill>
+                          <a:latin typeface="Work Sans"/>
+                          <a:ea typeface="Work Sans"/>
+                          <a:cs typeface="Work Sans"/>
+                          <a:sym typeface="Work Sans"/>
+                        </a:rPr>
+                        <a:t> </a:t>
+                      </a:r>
+                      <a:r>
+                        <a:rPr lang="es-ES" sz="900" b="0" i="1" u="none" strike="noStrike" cap="none" dirty="0" err="1">
+                          <a:solidFill>
+                            <a:schemeClr val="dk2"/>
+                          </a:solidFill>
+                          <a:latin typeface="Work Sans"/>
+                          <a:ea typeface="Work Sans"/>
+                          <a:cs typeface="Work Sans"/>
+                          <a:sym typeface="Work Sans"/>
+                        </a:rPr>
+                        <a:t>decision</a:t>
+                      </a:r>
+                      <a:r>
+                        <a:rPr lang="es-ES" sz="900" b="0" i="1" u="none" strike="noStrike" cap="none" dirty="0">
+                          <a:solidFill>
+                            <a:schemeClr val="dk2"/>
+                          </a:solidFill>
+                          <a:latin typeface="Work Sans"/>
+                          <a:ea typeface="Work Sans"/>
+                          <a:cs typeface="Work Sans"/>
+                          <a:sym typeface="Work Sans"/>
+                        </a:rPr>
+                        <a:t> </a:t>
+                      </a:r>
+                      <a:r>
+                        <a:rPr lang="es-ES" sz="900" b="0" i="1" u="none" strike="noStrike" cap="none" dirty="0" err="1">
+                          <a:solidFill>
+                            <a:schemeClr val="dk2"/>
+                          </a:solidFill>
+                          <a:latin typeface="Work Sans"/>
+                          <a:ea typeface="Work Sans"/>
+                          <a:cs typeface="Work Sans"/>
+                          <a:sym typeface="Work Sans"/>
+                        </a:rPr>
+                        <a:t>making</a:t>
+                      </a:r>
+                      <a:r>
+                        <a:rPr lang="es-ES" sz="900" b="0" i="1" u="none" strike="noStrike" cap="none" dirty="0">
+                          <a:solidFill>
+                            <a:schemeClr val="dk2"/>
+                          </a:solidFill>
+                          <a:latin typeface="Work Sans"/>
+                          <a:ea typeface="Work Sans"/>
+                          <a:cs typeface="Work Sans"/>
+                          <a:sym typeface="Work Sans"/>
+                        </a:rPr>
+                        <a:t> </a:t>
+                      </a:r>
+                      <a:r>
+                        <a:rPr lang="es-ES" sz="900" b="0" i="1" u="none" strike="noStrike" cap="none" dirty="0" err="1">
+                          <a:solidFill>
+                            <a:schemeClr val="dk2"/>
+                          </a:solidFill>
+                          <a:latin typeface="Work Sans"/>
+                          <a:ea typeface="Work Sans"/>
+                          <a:cs typeface="Work Sans"/>
+                          <a:sym typeface="Work Sans"/>
+                        </a:rPr>
+                        <a:t>process</a:t>
+                      </a:r>
+                      <a:r>
+                        <a:rPr lang="es-ES" sz="900" b="0" i="1" u="none" strike="noStrike" cap="none" dirty="0">
+                          <a:solidFill>
+                            <a:schemeClr val="dk2"/>
+                          </a:solidFill>
+                          <a:latin typeface="Work Sans"/>
+                          <a:ea typeface="Work Sans"/>
+                          <a:cs typeface="Work Sans"/>
+                          <a:sym typeface="Work Sans"/>
+                        </a:rPr>
+                        <a:t> </a:t>
+                      </a:r>
+                      <a:r>
+                        <a:rPr lang="es-ES" sz="900" b="0" i="1" u="none" strike="noStrike" cap="none" dirty="0" err="1">
+                          <a:solidFill>
+                            <a:schemeClr val="dk2"/>
+                          </a:solidFill>
+                          <a:latin typeface="Work Sans"/>
+                          <a:ea typeface="Work Sans"/>
+                          <a:cs typeface="Work Sans"/>
+                          <a:sym typeface="Work Sans"/>
+                        </a:rPr>
+                        <a:t>is</a:t>
+                      </a:r>
+                      <a:r>
+                        <a:rPr lang="es-ES" sz="900" b="0" i="1" u="none" strike="noStrike" cap="none" dirty="0">
+                          <a:solidFill>
+                            <a:schemeClr val="dk2"/>
+                          </a:solidFill>
+                          <a:latin typeface="Work Sans"/>
+                          <a:ea typeface="Work Sans"/>
+                          <a:cs typeface="Work Sans"/>
+                          <a:sym typeface="Work Sans"/>
+                        </a:rPr>
+                        <a:t> </a:t>
+                      </a:r>
+                      <a:r>
+                        <a:rPr lang="es-ES" sz="900" b="0" i="1" u="none" strike="noStrike" cap="none" dirty="0" err="1">
+                          <a:solidFill>
+                            <a:schemeClr val="dk2"/>
+                          </a:solidFill>
+                          <a:latin typeface="Work Sans"/>
+                          <a:ea typeface="Work Sans"/>
+                          <a:cs typeface="Work Sans"/>
+                          <a:sym typeface="Work Sans"/>
+                        </a:rPr>
+                        <a:t>straightforward</a:t>
+                      </a:r>
+                      <a:r>
+                        <a:rPr lang="es-ES" sz="900" b="0" i="1" u="none" strike="noStrike" cap="none" dirty="0">
+                          <a:solidFill>
+                            <a:schemeClr val="dk2"/>
+                          </a:solidFill>
+                          <a:latin typeface="Work Sans"/>
+                          <a:ea typeface="Work Sans"/>
+                          <a:cs typeface="Work Sans"/>
+                          <a:sym typeface="Work Sans"/>
+                        </a:rPr>
+                        <a:t> and </a:t>
+                      </a:r>
+                      <a:r>
+                        <a:rPr lang="es-ES" sz="900" b="0" i="1" u="none" strike="noStrike" cap="none">
+                          <a:solidFill>
+                            <a:schemeClr val="dk2"/>
+                          </a:solidFill>
+                          <a:latin typeface="Work Sans"/>
+                          <a:ea typeface="Work Sans"/>
+                          <a:cs typeface="Work Sans"/>
+                          <a:sym typeface="Work Sans"/>
+                        </a:rPr>
+                        <a:t>unambiguous</a:t>
+                      </a:r>
+                      <a:endParaRPr sz="900" b="0" i="1" u="none" strike="noStrike" cap="none" dirty="0">
+                        <a:solidFill>
+                          <a:schemeClr val="dk2"/>
+                        </a:solidFill>
                         <a:latin typeface="Work Sans"/>
                         <a:ea typeface="Work Sans"/>
                         <a:cs typeface="Work Sans"/>
